--- a/spring-cloud/zuul.pptx
+++ b/spring-cloud/zuul.pptx
@@ -243,7 +243,7 @@
           <a:p>
             <a:fld id="{D276D1D3-F526-544F-BCF2-DCFF5D2F04AA}" type="datetimeFigureOut">
               <a:rPr lang="en-US" smtClean="0"/>
-              <a:t>6/26/19</a:t>
+              <a:t>6/29/19</a:t>
             </a:fld>
             <a:endParaRPr lang="en-US"/>
           </a:p>
@@ -734,7 +734,7 @@
           <a:p>
             <a:fld id="{FDF8A35C-AA9F-264D-8FA4-B34CFD7D3F11}" type="datetimeFigureOut">
               <a:rPr lang="en-US" smtClean="0"/>
-              <a:t>6/26/19</a:t>
+              <a:t>6/29/19</a:t>
             </a:fld>
             <a:endParaRPr lang="en-US"/>
           </a:p>
@@ -904,7 +904,7 @@
           <a:p>
             <a:fld id="{FDF8A35C-AA9F-264D-8FA4-B34CFD7D3F11}" type="datetimeFigureOut">
               <a:rPr lang="en-US" smtClean="0"/>
-              <a:t>6/26/19</a:t>
+              <a:t>6/29/19</a:t>
             </a:fld>
             <a:endParaRPr lang="en-US"/>
           </a:p>
@@ -1084,7 +1084,7 @@
           <a:p>
             <a:fld id="{FDF8A35C-AA9F-264D-8FA4-B34CFD7D3F11}" type="datetimeFigureOut">
               <a:rPr lang="en-US" smtClean="0"/>
-              <a:t>6/26/19</a:t>
+              <a:t>6/29/19</a:t>
             </a:fld>
             <a:endParaRPr lang="en-US"/>
           </a:p>
@@ -1254,7 +1254,7 @@
           <a:p>
             <a:fld id="{FDF8A35C-AA9F-264D-8FA4-B34CFD7D3F11}" type="datetimeFigureOut">
               <a:rPr lang="en-US" smtClean="0"/>
-              <a:t>6/26/19</a:t>
+              <a:t>6/29/19</a:t>
             </a:fld>
             <a:endParaRPr lang="en-US"/>
           </a:p>
@@ -1500,7 +1500,7 @@
           <a:p>
             <a:fld id="{FDF8A35C-AA9F-264D-8FA4-B34CFD7D3F11}" type="datetimeFigureOut">
               <a:rPr lang="en-US" smtClean="0"/>
-              <a:t>6/26/19</a:t>
+              <a:t>6/29/19</a:t>
             </a:fld>
             <a:endParaRPr lang="en-US"/>
           </a:p>
@@ -1732,7 +1732,7 @@
           <a:p>
             <a:fld id="{FDF8A35C-AA9F-264D-8FA4-B34CFD7D3F11}" type="datetimeFigureOut">
               <a:rPr lang="en-US" smtClean="0"/>
-              <a:t>6/26/19</a:t>
+              <a:t>6/29/19</a:t>
             </a:fld>
             <a:endParaRPr lang="en-US"/>
           </a:p>
@@ -2099,7 +2099,7 @@
           <a:p>
             <a:fld id="{FDF8A35C-AA9F-264D-8FA4-B34CFD7D3F11}" type="datetimeFigureOut">
               <a:rPr lang="en-US" smtClean="0"/>
-              <a:t>6/26/19</a:t>
+              <a:t>6/29/19</a:t>
             </a:fld>
             <a:endParaRPr lang="en-US"/>
           </a:p>
@@ -2217,7 +2217,7 @@
           <a:p>
             <a:fld id="{FDF8A35C-AA9F-264D-8FA4-B34CFD7D3F11}" type="datetimeFigureOut">
               <a:rPr lang="en-US" smtClean="0"/>
-              <a:t>6/26/19</a:t>
+              <a:t>6/29/19</a:t>
             </a:fld>
             <a:endParaRPr lang="en-US"/>
           </a:p>
@@ -2312,7 +2312,7 @@
           <a:p>
             <a:fld id="{FDF8A35C-AA9F-264D-8FA4-B34CFD7D3F11}" type="datetimeFigureOut">
               <a:rPr lang="en-US" smtClean="0"/>
-              <a:t>6/26/19</a:t>
+              <a:t>6/29/19</a:t>
             </a:fld>
             <a:endParaRPr lang="en-US"/>
           </a:p>
@@ -2589,7 +2589,7 @@
           <a:p>
             <a:fld id="{FDF8A35C-AA9F-264D-8FA4-B34CFD7D3F11}" type="datetimeFigureOut">
               <a:rPr lang="en-US" smtClean="0"/>
-              <a:t>6/26/19</a:t>
+              <a:t>6/29/19</a:t>
             </a:fld>
             <a:endParaRPr lang="en-US"/>
           </a:p>
@@ -2842,7 +2842,7 @@
           <a:p>
             <a:fld id="{FDF8A35C-AA9F-264D-8FA4-B34CFD7D3F11}" type="datetimeFigureOut">
               <a:rPr lang="en-US" smtClean="0"/>
-              <a:t>6/26/19</a:t>
+              <a:t>6/29/19</a:t>
             </a:fld>
             <a:endParaRPr lang="en-US"/>
           </a:p>
@@ -3055,7 +3055,7 @@
           <a:p>
             <a:fld id="{FDF8A35C-AA9F-264D-8FA4-B34CFD7D3F11}" type="datetimeFigureOut">
               <a:rPr lang="en-US" smtClean="0"/>
-              <a:t>6/26/19</a:t>
+              <a:t>6/29/19</a:t>
             </a:fld>
             <a:endParaRPr lang="en-US"/>
           </a:p>
@@ -6497,7 +6497,11 @@
             </a:r>
             <a:r>
               <a:rPr lang="zh-CN" altLang="en-US" dirty="0" smtClean="0"/>
-              <a:t>中标准过滤器类型</a:t>
+              <a:t>种标准</a:t>
+            </a:r>
+            <a:r>
+              <a:rPr lang="zh-CN" altLang="en-US" dirty="0" smtClean="0"/>
+              <a:t>过滤器类型</a:t>
             </a:r>
             <a:endParaRPr lang="en-US" altLang="zh-CN" dirty="0" smtClean="0"/>
           </a:p>
@@ -6561,13 +6565,9 @@
             </a:r>
             <a:r>
               <a:rPr lang="zh-CN" altLang="en-US" dirty="0" smtClean="0"/>
-              <a:t>：在其他阶段发生错误</a:t>
-            </a:r>
-            <a:r>
-              <a:rPr lang="zh-CN" altLang="en-US" smtClean="0"/>
-              <a:t>时执行该过滤器</a:t>
-            </a:r>
-            <a:endParaRPr lang="en-US" altLang="zh-CN" smtClean="0"/>
+              <a:t>：在其他阶段发生错误时执行该过滤器</a:t>
+            </a:r>
+            <a:endParaRPr lang="en-US" altLang="zh-CN" dirty="0" smtClean="0"/>
           </a:p>
         </p:txBody>
       </p:sp>
@@ -6860,7 +6860,23 @@
             </a:r>
             <a:r>
               <a:rPr lang="zh-CN" altLang="en-US" dirty="0" smtClean="0"/>
-              <a:t>是我们最唱功的注解</a:t>
+              <a:t>是我们</a:t>
+            </a:r>
+            <a:r>
+              <a:rPr lang="zh-CN" altLang="en-US" dirty="0" smtClean="0"/>
+              <a:t>最</a:t>
+            </a:r>
+            <a:r>
+              <a:rPr lang="zh-CN" altLang="en-US" dirty="0" smtClean="0"/>
+              <a:t>常用</a:t>
+            </a:r>
+            <a:r>
+              <a:rPr lang="zh-CN" altLang="en-US" dirty="0" smtClean="0"/>
+              <a:t>的</a:t>
+            </a:r>
+            <a:r>
+              <a:rPr lang="zh-CN" altLang="en-US" dirty="0" smtClean="0"/>
+              <a:t>注解</a:t>
             </a:r>
             <a:endParaRPr lang="en-US" altLang="zh-CN" dirty="0" smtClean="0"/>
           </a:p>
